--- a/PowerPoint/Fund_analysis.pptx
+++ b/PowerPoint/Fund_analysis.pptx
@@ -120,7 +120,7 @@
 <file path=ppt/revisionInfo.xml><?xml version="1.0" encoding="utf-8"?>
 <p1510:revInfo xmlns:a="http://schemas.openxmlformats.org/drawingml/2006/main" xmlns:r="http://schemas.openxmlformats.org/officeDocument/2006/relationships" xmlns:p1510="http://schemas.microsoft.com/office/powerpoint/2015/10/main">
   <p1510:revLst>
-    <p1510:client id="{C3830D4F-ED46-4D31-A26F-C6B2B6F4C34C}" v="1550" dt="2024-03-25T03:32:00.454"/>
+    <p1510:client id="{C3830D4F-ED46-4D31-A26F-C6B2B6F4C34C}" v="1585" dt="2024-03-25T03:43:06.160"/>
   </p1510:revLst>
 </p1510:revInfo>
 </file>
@@ -7697,7 +7697,7 @@
               <a:t> Database view scripts are written after the analysis and the same is saved in </a:t>
             </a:r>
             <a:r>
-              <a:rPr lang="en-US" sz="2000" dirty="0" err="1">
+              <a:rPr lang="en-US" sz="2000" err="1">
                 <a:solidFill>
                   <a:srgbClr val="1F1F1F"/>
                 </a:solidFill>
@@ -7713,7 +7713,7 @@
               <a:t> in the </a:t>
             </a:r>
             <a:r>
-              <a:rPr lang="en-US" sz="2000" dirty="0" err="1">
+              <a:rPr lang="en-US" sz="2000" err="1">
                 <a:solidFill>
                   <a:srgbClr val="1F1F1F"/>
                 </a:solidFill>
@@ -7728,6 +7728,7 @@
               </a:rPr>
               <a:t> repo.</a:t>
             </a:r>
+            <a:endParaRPr lang="en-US"/>
           </a:p>
           <a:p>
             <a:pPr>
@@ -7745,28 +7746,24 @@
                 <a:ea typeface="+mn-lt"/>
                 <a:cs typeface="+mn-lt"/>
               </a:rPr>
-              <a:t>TestScriptFunctions.py has test cases written to test the DB connection , different funds loaded , splitting of the file names.  Due to time constraint this is done in a quick and dirty way . This can be enhanced to be fully </a:t>
-            </a:r>
-            <a:r>
-              <a:rPr lang="en-US" sz="2000" dirty="0" err="1">
-                <a:solidFill>
-                  <a:srgbClr val="1F1F1F"/>
-                </a:solidFill>
-                <a:ea typeface="+mn-lt"/>
-                <a:cs typeface="+mn-lt"/>
-              </a:rPr>
-              <a:t>parameterised</a:t>
-            </a:r>
-            <a:r>
-              <a:rPr lang="en-US" sz="2000" dirty="0">
-                <a:solidFill>
-                  <a:srgbClr val="1F1F1F"/>
-                </a:solidFill>
-                <a:ea typeface="+mn-lt"/>
-                <a:cs typeface="+mn-lt"/>
-              </a:rPr>
-              <a:t> and more test cases can be added . </a:t>
-            </a:r>
+              <a:t>TestScriptFunctions.py has test cases written to test the DB connection , different funds loaded , splitting of the file names.  Due to time constraint currently it is not done by following best coding practices(Parameterization) and covers only minimal test cases due to time constraint </a:t>
+            </a:r>
+            <a:endParaRPr lang="en-US" sz="2000">
+              <a:solidFill>
+                <a:srgbClr val="000000"/>
+              </a:solidFill>
+              <a:ea typeface="+mn-lt"/>
+              <a:cs typeface="+mn-lt"/>
+            </a:endParaRPr>
+          </a:p>
+          <a:p>
+            <a:pPr>
+              <a:buClr>
+                <a:srgbClr val="1287C3"/>
+              </a:buClr>
+              <a:buFont typeface="Wingdings"/>
+              <a:buChar char="§"/>
+            </a:pPr>
             <a:endParaRPr lang="en-US" sz="2000" dirty="0">
               <a:solidFill>
                 <a:srgbClr val="1F1F1F"/>
@@ -8480,7 +8477,7 @@
                 <a:ea typeface="+mn-lt"/>
                 <a:cs typeface="+mn-lt"/>
               </a:rPr>
-              <a:t>More test cases and scenarios can be included in testing, currently it is done in a quick and dirty way and covers only minimal test cases due to time constraint .</a:t>
+              <a:t>More test cases and scenarios can be included in testing, currently it is not done by following best coding practices(Parameterization) and covers only minimal test cases due to time constraint .</a:t>
             </a:r>
           </a:p>
           <a:p>
